--- a/20140320-what_sort_algorithm_should_i_use.pptx
+++ b/20140320-what_sort_algorithm_should_i_use.pptx
@@ -1549,11 +1549,11 @@
         </c:dLbls>
         <c:marker val="1"/>
         <c:smooth val="0"/>
-        <c:axId val="73706112"/>
-        <c:axId val="74039680"/>
+        <c:axId val="74095616"/>
+        <c:axId val="35570432"/>
       </c:lineChart>
       <c:catAx>
-        <c:axId val="73706112"/>
+        <c:axId val="74095616"/>
         <c:scaling>
           <c:orientation val="minMax"/>
         </c:scaling>
@@ -1563,7 +1563,7 @@
         <c:majorTickMark val="out"/>
         <c:minorTickMark val="none"/>
         <c:tickLblPos val="nextTo"/>
-        <c:crossAx val="74039680"/>
+        <c:crossAx val="35570432"/>
         <c:crosses val="autoZero"/>
         <c:auto val="1"/>
         <c:lblAlgn val="ctr"/>
@@ -1571,7 +1571,7 @@
         <c:noMultiLvlLbl val="0"/>
       </c:catAx>
       <c:valAx>
-        <c:axId val="74039680"/>
+        <c:axId val="35570432"/>
         <c:scaling>
           <c:orientation val="minMax"/>
         </c:scaling>
@@ -1582,7 +1582,7 @@
         <c:majorTickMark val="out"/>
         <c:minorTickMark val="none"/>
         <c:tickLblPos val="nextTo"/>
-        <c:crossAx val="73706112"/>
+        <c:crossAx val="74095616"/>
         <c:crosses val="autoZero"/>
         <c:crossBetween val="between"/>
       </c:valAx>
@@ -1684,7 +1684,7 @@
           <a:p>
             <a:fld id="{740616EA-7DD0-4941-A75A-3667382BAFA7}" type="datetimeFigureOut">
               <a:rPr lang="en-AU" smtClean="0"/>
-              <a:t>18/03/2014</a:t>
+              <a:t>6/06/2016</a:t>
             </a:fld>
             <a:endParaRPr lang="en-AU"/>
           </a:p>
@@ -1850,7 +1850,7 @@
           <a:p>
             <a:fld id="{587278A0-4A02-4D4B-A8AB-1E1752F8063F}" type="datetimeFigureOut">
               <a:rPr lang="en-AU" smtClean="0"/>
-              <a:t>18/03/2014</a:t>
+              <a:t>6/06/2016</a:t>
             </a:fld>
             <a:endParaRPr lang="en-AU"/>
           </a:p>
@@ -2930,7 +2930,7 @@
           <a:p>
             <a:fld id="{0EAB0777-4C60-462E-A92C-CDAFD498799C}" type="datetimeFigureOut">
               <a:rPr lang="en-US" smtClean="0"/>
-              <a:t>3/18/2014</a:t>
+              <a:t>6/6/2016</a:t>
             </a:fld>
             <a:endParaRPr lang="en-US"/>
           </a:p>
@@ -3099,7 +3099,7 @@
           <a:p>
             <a:fld id="{0EAB0777-4C60-462E-A92C-CDAFD498799C}" type="datetimeFigureOut">
               <a:rPr lang="en-US" smtClean="0"/>
-              <a:t>3/18/2014</a:t>
+              <a:t>6/6/2016</a:t>
             </a:fld>
             <a:endParaRPr lang="en-US"/>
           </a:p>
@@ -3345,7 +3345,7 @@
           <a:p>
             <a:fld id="{0EAB0777-4C60-462E-A92C-CDAFD498799C}" type="datetimeFigureOut">
               <a:rPr lang="en-US" smtClean="0"/>
-              <a:t>3/18/2014</a:t>
+              <a:t>6/6/2016</a:t>
             </a:fld>
             <a:endParaRPr lang="en-US"/>
           </a:p>
@@ -3613,7 +3613,7 @@
           <a:p>
             <a:fld id="{0EAB0777-4C60-462E-A92C-CDAFD498799C}" type="datetimeFigureOut">
               <a:rPr lang="en-US" smtClean="0"/>
-              <a:t>3/18/2014</a:t>
+              <a:t>6/6/2016</a:t>
             </a:fld>
             <a:endParaRPr lang="en-US"/>
           </a:p>
@@ -3995,7 +3995,7 @@
           <a:p>
             <a:fld id="{0EAB0777-4C60-462E-A92C-CDAFD498799C}" type="datetimeFigureOut">
               <a:rPr lang="en-US" smtClean="0"/>
-              <a:t>3/18/2014</a:t>
+              <a:t>6/6/2016</a:t>
             </a:fld>
             <a:endParaRPr lang="en-US"/>
           </a:p>
@@ -4149,7 +4149,7 @@
           <a:p>
             <a:fld id="{0EAB0777-4C60-462E-A92C-CDAFD498799C}" type="datetimeFigureOut">
               <a:rPr lang="en-US" smtClean="0"/>
-              <a:t>3/18/2014</a:t>
+              <a:t>6/6/2016</a:t>
             </a:fld>
             <a:endParaRPr lang="en-US"/>
           </a:p>
@@ -4243,7 +4243,7 @@
           <a:p>
             <a:fld id="{0EAB0777-4C60-462E-A92C-CDAFD498799C}" type="datetimeFigureOut">
               <a:rPr lang="en-US" smtClean="0"/>
-              <a:t>3/18/2014</a:t>
+              <a:t>6/6/2016</a:t>
             </a:fld>
             <a:endParaRPr lang="en-US"/>
           </a:p>
@@ -4508,7 +4508,7 @@
           <a:p>
             <a:fld id="{0EAB0777-4C60-462E-A92C-CDAFD498799C}" type="datetimeFigureOut">
               <a:rPr lang="en-US" smtClean="0"/>
-              <a:t>3/18/2014</a:t>
+              <a:t>6/6/2016</a:t>
             </a:fld>
             <a:endParaRPr lang="en-US"/>
           </a:p>
@@ -4991,7 +4991,7 @@
           <a:p>
             <a:fld id="{0EAB0777-4C60-462E-A92C-CDAFD498799C}" type="datetimeFigureOut">
               <a:rPr lang="en-US" smtClean="0"/>
-              <a:t>3/18/2014</a:t>
+              <a:t>6/6/2016</a:t>
             </a:fld>
             <a:endParaRPr lang="en-US"/>
           </a:p>
@@ -5467,7 +5467,7 @@
           <a:p>
             <a:fld id="{0EAB0777-4C60-462E-A92C-CDAFD498799C}" type="datetimeFigureOut">
               <a:rPr lang="en-US" smtClean="0"/>
-              <a:t>3/18/2014</a:t>
+              <a:t>6/6/2016</a:t>
             </a:fld>
             <a:endParaRPr lang="en-US"/>
           </a:p>
@@ -5646,7 +5646,7 @@
           <a:p>
             <a:fld id="{0EAB0777-4C60-462E-A92C-CDAFD498799C}" type="datetimeFigureOut">
               <a:rPr lang="en-US" smtClean="0"/>
-              <a:t>3/18/2014</a:t>
+              <a:t>6/6/2016</a:t>
             </a:fld>
             <a:endParaRPr lang="en-US"/>
           </a:p>
@@ -8289,7 +8289,7 @@
           <a:p>
             <a:fld id="{0EAB0777-4C60-462E-A92C-CDAFD498799C}" type="datetimeFigureOut">
               <a:rPr lang="en-US" smtClean="0"/>
-              <a:t>3/18/2014</a:t>
+              <a:t>6/6/2016</a:t>
             </a:fld>
             <a:endParaRPr lang="en-US"/>
           </a:p>
@@ -10071,8 +10071,8 @@
               <a:t>, </a:t>
             </a:r>
             <a:r>
-              <a:rPr lang="en-AU" dirty="0" err="1" smtClean="0"/>
-              <a:t>etc</a:t>
+              <a:rPr lang="en-AU" dirty="0" smtClean="0"/>
+              <a:t>etc.</a:t>
             </a:r>
             <a:endParaRPr lang="en-US" dirty="0"/>
           </a:p>
@@ -10367,7 +10367,6 @@
               <a:rPr lang="en-AU" dirty="0"/>
               <a:t>is the overhead?  Some algorithms require little overhead apart from the comparison and swapping operations, some are heavier.</a:t>
             </a:r>
-            <a:endParaRPr lang="en-AU" dirty="0"/>
           </a:p>
         </p:txBody>
       </p:sp>
@@ -13256,7 +13255,15 @@
             </a:r>
             <a:r>
               <a:rPr lang="en-AU" sz="2000" dirty="0"/>
-              <a:t>for, or counting duplicates is a set</a:t>
+              <a:t>for, or counting duplicates </a:t>
+            </a:r>
+            <a:r>
+              <a:rPr lang="en-AU" sz="2000" dirty="0" smtClean="0"/>
+              <a:t>in </a:t>
+            </a:r>
+            <a:r>
+              <a:rPr lang="en-AU" sz="2000" dirty="0"/>
+              <a:t>a set</a:t>
             </a:r>
           </a:p>
           <a:p>
